--- a/Design/one_minute_madness_template.pptx
+++ b/Design/one_minute_madness_template.pptx
@@ -7622,6 +7622,53 @@
           <a:chExt cx="0" cy="0"/>
         </a:xfrm>
       </p:grpSpPr>
+      <p:pic>
+        <p:nvPicPr>
+          <p:cNvPr id="1028" name="Picture 4" descr="Internet-Gerüchte zur TU München - TUM">
+            <a:extLst>
+              <a:ext uri="{FF2B5EF4-FFF2-40B4-BE49-F238E27FC236}">
+                <a16:creationId xmlns:a16="http://schemas.microsoft.com/office/drawing/2014/main" id="{F982C1C9-CA44-1E00-2C9E-DEBAF4461C42}"/>
+              </a:ext>
+            </a:extLst>
+          </p:cNvPr>
+          <p:cNvPicPr>
+            <a:picLocks noChangeAspect="1" noChangeArrowheads="1"/>
+          </p:cNvPicPr>
+          <p:nvPr/>
+        </p:nvPicPr>
+        <p:blipFill>
+          <a:blip r:embed="rId2">
+            <a:extLst>
+              <a:ext uri="{28A0092B-C50C-407E-A947-70E740481C1C}">
+                <a14:useLocalDpi xmlns:a14="http://schemas.microsoft.com/office/drawing/2010/main" val="0"/>
+              </a:ext>
+            </a:extLst>
+          </a:blip>
+          <a:srcRect/>
+          <a:stretch>
+            <a:fillRect/>
+          </a:stretch>
+        </p:blipFill>
+        <p:spPr bwMode="auto">
+          <a:xfrm>
+            <a:off x="1825119" y="148134"/>
+            <a:ext cx="1152507" cy="806755"/>
+          </a:xfrm>
+          <a:prstGeom prst="rect">
+            <a:avLst/>
+          </a:prstGeom>
+          <a:noFill/>
+          <a:extLst>
+            <a:ext uri="{909E8E84-426E-40DD-AFC4-6F175D3DCCD1}">
+              <a14:hiddenFill xmlns:a14="http://schemas.microsoft.com/office/drawing/2010/main">
+                <a:solidFill>
+                  <a:srgbClr val="FFFFFF"/>
+                </a:solidFill>
+              </a14:hiddenFill>
+            </a:ext>
+          </a:extLst>
+        </p:spPr>
+      </p:pic>
       <p:sp>
         <p:nvSpPr>
           <p:cNvPr id="38" name="Titel 37">
@@ -7746,48 +7793,359 @@
         </p:nvSpPr>
         <p:spPr>
           <a:xfrm>
-            <a:off x="3505200" y="4535424"/>
+            <a:off x="3505200" y="4628542"/>
             <a:ext cx="5386785" cy="272845"/>
           </a:xfrm>
         </p:spPr>
         <p:txBody>
           <a:bodyPr>
-            <a:normAutofit fontScale="70000" lnSpcReduction="20000"/>
+            <a:normAutofit fontScale="92500"/>
           </a:bodyPr>
           <a:lstStyle/>
           <a:p>
             <a:pPr algn="r"/>
             <a:r>
-              <a:rPr lang="de-DE" sz="1100" dirty="0"/>
+              <a:rPr lang="de-DE" sz="900" dirty="0"/>
               <a:t>Roberto Blanco Romero, Martin </a:t>
             </a:r>
             <a:r>
-              <a:rPr lang="de-DE" sz="1100" dirty="0" err="1"/>
+              <a:rPr lang="de-DE" sz="900" dirty="0" err="1"/>
               <a:t>Seinmayer</a:t>
             </a:r>
             <a:r>
-              <a:rPr lang="de-DE" sz="1100" dirty="0"/>
+              <a:rPr lang="de-DE" sz="900" dirty="0"/>
               <a:t>, </a:t>
             </a:r>
             <a:r>
-              <a:rPr lang="de-DE" sz="1100" dirty="0" err="1"/>
+              <a:rPr lang="de-DE" sz="900" dirty="0" err="1"/>
               <a:t>Potap</a:t>
             </a:r>
             <a:r>
-              <a:rPr lang="de-DE" sz="1100" dirty="0"/>
+              <a:rPr lang="de-DE" sz="900" dirty="0"/>
               <a:t> Model, Christian </a:t>
             </a:r>
             <a:r>
-              <a:rPr lang="de-DE" sz="1100" dirty="0" err="1"/>
+              <a:rPr lang="de-DE" sz="900" dirty="0" err="1"/>
               <a:t>Mulser</a:t>
             </a:r>
             <a:r>
-              <a:rPr lang="de-DE" sz="1100" dirty="0"/>
+              <a:rPr lang="de-DE" sz="900" dirty="0"/>
               <a:t>, Michael Nock, Thomas Putzer</a:t>
             </a:r>
           </a:p>
         </p:txBody>
       </p:sp>
+      <p:pic>
+        <p:nvPicPr>
+          <p:cNvPr id="4" name="Picture 3" descr="A blue and white logo&#10;&#10;AI-generated content may be incorrect.">
+            <a:extLst>
+              <a:ext uri="{FF2B5EF4-FFF2-40B4-BE49-F238E27FC236}">
+                <a16:creationId xmlns:a16="http://schemas.microsoft.com/office/drawing/2014/main" id="{025D9028-5C48-25D8-B65A-C3722D937A19}"/>
+              </a:ext>
+            </a:extLst>
+          </p:cNvPr>
+          <p:cNvPicPr>
+            <a:picLocks noChangeAspect="1"/>
+          </p:cNvPicPr>
+          <p:nvPr/>
+        </p:nvPicPr>
+        <p:blipFill>
+          <a:blip r:embed="rId3"/>
+          <a:stretch>
+            <a:fillRect/>
+          </a:stretch>
+        </p:blipFill>
+        <p:spPr>
+          <a:xfrm>
+            <a:off x="82641" y="-410521"/>
+            <a:ext cx="1928302" cy="1928302"/>
+          </a:xfrm>
+          <a:prstGeom prst="rect">
+            <a:avLst/>
+          </a:prstGeom>
+        </p:spPr>
+      </p:pic>
+      <p:pic>
+        <p:nvPicPr>
+          <p:cNvPr id="6" name="Picture 5">
+            <a:extLst>
+              <a:ext uri="{FF2B5EF4-FFF2-40B4-BE49-F238E27FC236}">
+                <a16:creationId xmlns:a16="http://schemas.microsoft.com/office/drawing/2014/main" id="{3A500EBA-1177-ED39-534D-89C6295F9DA3}"/>
+              </a:ext>
+            </a:extLst>
+          </p:cNvPr>
+          <p:cNvPicPr>
+            <a:picLocks noChangeAspect="1"/>
+          </p:cNvPicPr>
+          <p:nvPr/>
+        </p:nvPicPr>
+        <p:blipFill>
+          <a:blip r:embed="rId4"/>
+          <a:srcRect l="6687" t="4773" r="13571" b="29699"/>
+          <a:stretch>
+            <a:fillRect/>
+          </a:stretch>
+        </p:blipFill>
+        <p:spPr>
+          <a:xfrm>
+            <a:off x="192183" y="1122045"/>
+            <a:ext cx="2713934" cy="1337313"/>
+          </a:xfrm>
+          <a:prstGeom prst="rect">
+            <a:avLst/>
+          </a:prstGeom>
+        </p:spPr>
+      </p:pic>
+      <p:pic>
+        <p:nvPicPr>
+          <p:cNvPr id="8" name="Picture 7">
+            <a:extLst>
+              <a:ext uri="{FF2B5EF4-FFF2-40B4-BE49-F238E27FC236}">
+                <a16:creationId xmlns:a16="http://schemas.microsoft.com/office/drawing/2014/main" id="{BB85E2F5-9835-163B-2CB1-41481D351508}"/>
+              </a:ext>
+            </a:extLst>
+          </p:cNvPr>
+          <p:cNvPicPr>
+            <a:picLocks noChangeAspect="1"/>
+          </p:cNvPicPr>
+          <p:nvPr/>
+        </p:nvPicPr>
+        <p:blipFill>
+          <a:blip r:embed="rId5"/>
+          <a:srcRect l="5820" t="5546" r="8946" b="6180"/>
+          <a:stretch>
+            <a:fillRect/>
+          </a:stretch>
+        </p:blipFill>
+        <p:spPr>
+          <a:xfrm>
+            <a:off x="192183" y="2529081"/>
+            <a:ext cx="1753626" cy="2262743"/>
+          </a:xfrm>
+          <a:prstGeom prst="rect">
+            <a:avLst/>
+          </a:prstGeom>
+        </p:spPr>
+      </p:pic>
+      <p:pic>
+        <p:nvPicPr>
+          <p:cNvPr id="10" name="Picture 9">
+            <a:extLst>
+              <a:ext uri="{FF2B5EF4-FFF2-40B4-BE49-F238E27FC236}">
+                <a16:creationId xmlns:a16="http://schemas.microsoft.com/office/drawing/2014/main" id="{400BCD4E-1648-FE37-07A5-D93B5ED273E2}"/>
+              </a:ext>
+            </a:extLst>
+          </p:cNvPr>
+          <p:cNvPicPr>
+            <a:picLocks noChangeAspect="1"/>
+          </p:cNvPicPr>
+          <p:nvPr/>
+        </p:nvPicPr>
+        <p:blipFill>
+          <a:blip r:embed="rId6"/>
+          <a:srcRect l="13882" t="7594" r="9530"/>
+          <a:stretch>
+            <a:fillRect/>
+          </a:stretch>
+        </p:blipFill>
+        <p:spPr>
+          <a:xfrm>
+            <a:off x="3015660" y="104539"/>
+            <a:ext cx="1788778" cy="2775510"/>
+          </a:xfrm>
+          <a:prstGeom prst="rect">
+            <a:avLst/>
+          </a:prstGeom>
+        </p:spPr>
+      </p:pic>
+      <p:pic>
+        <p:nvPicPr>
+          <p:cNvPr id="12" name="Picture 11">
+            <a:extLst>
+              <a:ext uri="{FF2B5EF4-FFF2-40B4-BE49-F238E27FC236}">
+                <a16:creationId xmlns:a16="http://schemas.microsoft.com/office/drawing/2014/main" id="{E62D1636-7E81-AFA0-A02E-0A7712F31D26}"/>
+              </a:ext>
+            </a:extLst>
+          </p:cNvPr>
+          <p:cNvPicPr>
+            <a:picLocks noChangeAspect="1"/>
+          </p:cNvPicPr>
+          <p:nvPr/>
+        </p:nvPicPr>
+        <p:blipFill>
+          <a:blip r:embed="rId7"/>
+          <a:srcRect l="381" t="2062" r="10688" b="1561"/>
+          <a:stretch>
+            <a:fillRect/>
+          </a:stretch>
+        </p:blipFill>
+        <p:spPr>
+          <a:xfrm>
+            <a:off x="4921414" y="104539"/>
+            <a:ext cx="2942395" cy="2775511"/>
+          </a:xfrm>
+          <a:prstGeom prst="rect">
+            <a:avLst/>
+          </a:prstGeom>
+        </p:spPr>
+      </p:pic>
+      <p:pic>
+        <p:nvPicPr>
+          <p:cNvPr id="14" name="Picture 13">
+            <a:extLst>
+              <a:ext uri="{FF2B5EF4-FFF2-40B4-BE49-F238E27FC236}">
+                <a16:creationId xmlns:a16="http://schemas.microsoft.com/office/drawing/2014/main" id="{7EC4EC45-8C8F-7CF4-4458-A0CC374B2A81}"/>
+              </a:ext>
+            </a:extLst>
+          </p:cNvPr>
+          <p:cNvPicPr>
+            <a:picLocks noChangeAspect="1"/>
+          </p:cNvPicPr>
+          <p:nvPr/>
+        </p:nvPicPr>
+        <p:blipFill>
+          <a:blip r:embed="rId8"/>
+          <a:srcRect l="481" r="772"/>
+          <a:stretch>
+            <a:fillRect/>
+          </a:stretch>
+        </p:blipFill>
+        <p:spPr>
+          <a:xfrm>
+            <a:off x="5751182" y="2958015"/>
+            <a:ext cx="3102769" cy="1635762"/>
+          </a:xfrm>
+          <a:prstGeom prst="rect">
+            <a:avLst/>
+          </a:prstGeom>
+        </p:spPr>
+      </p:pic>
+      <p:pic>
+        <p:nvPicPr>
+          <p:cNvPr id="16" name="Picture 15">
+            <a:extLst>
+              <a:ext uri="{FF2B5EF4-FFF2-40B4-BE49-F238E27FC236}">
+                <a16:creationId xmlns:a16="http://schemas.microsoft.com/office/drawing/2014/main" id="{0B652860-E627-9A25-1E93-CB1BD37724CC}"/>
+              </a:ext>
+            </a:extLst>
+          </p:cNvPr>
+          <p:cNvPicPr>
+            <a:picLocks noChangeAspect="1"/>
+          </p:cNvPicPr>
+          <p:nvPr/>
+        </p:nvPicPr>
+        <p:blipFill>
+          <a:blip r:embed="rId9"/>
+          <a:srcRect l="1941" t="10280" r="42418" b="14280"/>
+          <a:stretch>
+            <a:fillRect/>
+          </a:stretch>
+        </p:blipFill>
+        <p:spPr>
+          <a:xfrm>
+            <a:off x="3954605" y="2963541"/>
+            <a:ext cx="1672634" cy="1635762"/>
+          </a:xfrm>
+          <a:prstGeom prst="rect">
+            <a:avLst/>
+          </a:prstGeom>
+        </p:spPr>
+      </p:pic>
+      <p:pic>
+        <p:nvPicPr>
+          <p:cNvPr id="22" name="Picture 21" descr="A blue and pink sphere with a white circle&#10;&#10;AI-generated content may be incorrect.">
+            <a:extLst>
+              <a:ext uri="{FF2B5EF4-FFF2-40B4-BE49-F238E27FC236}">
+                <a16:creationId xmlns:a16="http://schemas.microsoft.com/office/drawing/2014/main" id="{1A3067DF-0B5B-8C38-1F57-A68BEA863305}"/>
+              </a:ext>
+            </a:extLst>
+          </p:cNvPr>
+          <p:cNvPicPr>
+            <a:picLocks noChangeAspect="1"/>
+          </p:cNvPicPr>
+          <p:nvPr/>
+        </p:nvPicPr>
+        <p:blipFill>
+          <a:blip r:embed="rId10"/>
+          <a:stretch>
+            <a:fillRect/>
+          </a:stretch>
+        </p:blipFill>
+        <p:spPr>
+          <a:xfrm>
+            <a:off x="2052431" y="2996272"/>
+            <a:ext cx="1795552" cy="1795552"/>
+          </a:xfrm>
+          <a:prstGeom prst="rect">
+            <a:avLst/>
+          </a:prstGeom>
+        </p:spPr>
+      </p:pic>
+      <p:pic>
+        <p:nvPicPr>
+          <p:cNvPr id="20" name="Picture 19">
+            <a:extLst>
+              <a:ext uri="{FF2B5EF4-FFF2-40B4-BE49-F238E27FC236}">
+                <a16:creationId xmlns:a16="http://schemas.microsoft.com/office/drawing/2014/main" id="{1207BCAC-7C86-BC4F-7E1B-C42FD244490D}"/>
+              </a:ext>
+            </a:extLst>
+          </p:cNvPr>
+          <p:cNvPicPr>
+            <a:picLocks noChangeAspect="1"/>
+          </p:cNvPicPr>
+          <p:nvPr/>
+        </p:nvPicPr>
+        <p:blipFill>
+          <a:blip r:embed="rId11"/>
+          <a:stretch>
+            <a:fillRect/>
+          </a:stretch>
+        </p:blipFill>
+        <p:spPr>
+          <a:xfrm>
+            <a:off x="2042681" y="2529081"/>
+            <a:ext cx="825493" cy="816804"/>
+          </a:xfrm>
+          <a:prstGeom prst="rect">
+            <a:avLst/>
+          </a:prstGeom>
+          <a:ln w="57150">
+            <a:solidFill>
+              <a:schemeClr val="bg1"/>
+            </a:solidFill>
+          </a:ln>
+        </p:spPr>
+      </p:pic>
+      <p:pic>
+        <p:nvPicPr>
+          <p:cNvPr id="24" name="Picture 23" descr="A blue screen with a white line and a white object&#10;&#10;AI-generated content may be incorrect.">
+            <a:extLst>
+              <a:ext uri="{FF2B5EF4-FFF2-40B4-BE49-F238E27FC236}">
+                <a16:creationId xmlns:a16="http://schemas.microsoft.com/office/drawing/2014/main" id="{0379A28A-EB3A-66F9-BB37-4210FEAFEEEB}"/>
+              </a:ext>
+            </a:extLst>
+          </p:cNvPr>
+          <p:cNvPicPr>
+            <a:picLocks noChangeAspect="1"/>
+          </p:cNvPicPr>
+          <p:nvPr/>
+        </p:nvPicPr>
+        <p:blipFill>
+          <a:blip r:embed="rId12"/>
+          <a:stretch>
+            <a:fillRect/>
+          </a:stretch>
+        </p:blipFill>
+        <p:spPr>
+          <a:xfrm rot="16200000">
+            <a:off x="7032249" y="1058347"/>
+            <a:ext cx="2770239" cy="873165"/>
+          </a:xfrm>
+          <a:prstGeom prst="rect">
+            <a:avLst/>
+          </a:prstGeom>
+        </p:spPr>
+      </p:pic>
     </p:spTree>
     <p:extLst>
       <p:ext uri="{BB962C8B-B14F-4D97-AF65-F5344CB8AC3E}">
